--- a/_33_myapp_one4all____@look_at_me@/data/templates/template.pptx
+++ b/_33_myapp_one4all____@look_at_me@/data/templates/template.pptx
@@ -194,7 +194,7 @@
           <a:p>
             <a:fld id="{C5B8A8E8-D9C1-4757-85BF-BBBD524DDF8E}" type="datetimeFigureOut">
               <a:rPr kumimoji="1" lang="ja-JP" altLang="en-US" smtClean="0"/>
-              <a:t>2020/8/4</a:t>
+              <a:t>2021/4/4</a:t>
             </a:fld>
             <a:endParaRPr kumimoji="1" lang="ja-JP" altLang="en-US"/>
           </a:p>
@@ -512,29 +512,28 @@
       </p:grpSpPr>
       <p:pic>
         <p:nvPicPr>
-          <p:cNvPr id="7" name="図 6"/>
+          <p:cNvPr id="15" name="Picture 14">
+            <a:extLst>
+              <a:ext uri="{FF2B5EF4-FFF2-40B4-BE49-F238E27FC236}">
+                <a16:creationId xmlns:a16="http://schemas.microsoft.com/office/drawing/2014/main" id="{570B7E69-0DBF-407F-BCDB-241873C1F621}"/>
+              </a:ext>
+            </a:extLst>
+          </p:cNvPr>
           <p:cNvPicPr>
             <a:picLocks noChangeAspect="1"/>
           </p:cNvPicPr>
           <p:nvPr userDrawn="1"/>
         </p:nvPicPr>
         <p:blipFill>
-          <a:blip r:embed="rId2">
-            <a:lum bright="70000" contrast="-70000"/>
-            <a:extLst>
-              <a:ext uri="{28A0092B-C50C-407E-A947-70E740481C1C}">
-                <a14:useLocalDpi xmlns:a14="http://schemas.microsoft.com/office/drawing/2010/main" val="0"/>
-              </a:ext>
-            </a:extLst>
-          </a:blip>
+          <a:blip r:embed="rId2"/>
           <a:stretch>
             <a:fillRect/>
           </a:stretch>
         </p:blipFill>
         <p:spPr>
           <a:xfrm>
-            <a:off x="0" y="10792"/>
-            <a:ext cx="12192000" cy="6836416"/>
+            <a:off x="15240" y="3810"/>
+            <a:ext cx="12161520" cy="6850380"/>
           </a:xfrm>
           <a:prstGeom prst="rect">
             <a:avLst/>
@@ -566,7 +565,7 @@
             <a:fld id="{FA744D94-AD84-4498-829B-22CAAE898B97}" type="datetime1">
               <a:rPr lang="ja-JP" altLang="en-US" smtClean="0"/>
               <a:pPr/>
-              <a:t>2020/8/4</a:t>
+              <a:t>2021/4/4</a:t>
             </a:fld>
             <a:endParaRPr lang="ja-JP" altLang="en-US"/>
           </a:p>
@@ -688,42 +687,6 @@
       </p:pic>
       <p:pic>
         <p:nvPicPr>
-          <p:cNvPr id="14" name="図 13" descr="抽象, シルエット, シャツ が含まれている画像&#10;&#10;自動的に生成された説明">
-            <a:extLst>
-              <a:ext uri="{FF2B5EF4-FFF2-40B4-BE49-F238E27FC236}">
-                <a16:creationId xmlns:a16="http://schemas.microsoft.com/office/drawing/2014/main" id="{E69DB41B-316A-415F-8628-B3AF12C29D86}"/>
-              </a:ext>
-            </a:extLst>
-          </p:cNvPr>
-          <p:cNvPicPr>
-            <a:picLocks noChangeAspect="1"/>
-          </p:cNvPicPr>
-          <p:nvPr userDrawn="1"/>
-        </p:nvPicPr>
-        <p:blipFill>
-          <a:blip r:embed="rId4" cstate="print">
-            <a:extLst>
-              <a:ext uri="{28A0092B-C50C-407E-A947-70E740481C1C}">
-                <a14:useLocalDpi xmlns:a14="http://schemas.microsoft.com/office/drawing/2010/main" val="0"/>
-              </a:ext>
-            </a:extLst>
-          </a:blip>
-          <a:stretch>
-            <a:fillRect/>
-          </a:stretch>
-        </p:blipFill>
-        <p:spPr>
-          <a:xfrm>
-            <a:off x="10735868" y="147619"/>
-            <a:ext cx="1346604" cy="720000"/>
-          </a:xfrm>
-          <a:prstGeom prst="rect">
-            <a:avLst/>
-          </a:prstGeom>
-        </p:spPr>
-      </p:pic>
-      <p:pic>
-        <p:nvPicPr>
           <p:cNvPr id="13" name="図 12">
             <a:extLst>
               <a:ext uri="{FF2B5EF4-FFF2-40B4-BE49-F238E27FC236}">
@@ -737,7 +700,7 @@
           <p:nvPr userDrawn="1"/>
         </p:nvPicPr>
         <p:blipFill>
-          <a:blip r:embed="rId5">
+          <a:blip r:embed="rId4">
             <a:extLst>
               <a:ext uri="{28A0092B-C50C-407E-A947-70E740481C1C}">
                 <a14:useLocalDpi xmlns:a14="http://schemas.microsoft.com/office/drawing/2010/main" val="0"/>
@@ -997,7 +960,7 @@
           <a:p>
             <a:fld id="{9374EFAD-81D4-4F9D-B6CD-099C58B9936D}" type="datetime1">
               <a:rPr kumimoji="1" lang="ja-JP" altLang="en-US" smtClean="0"/>
-              <a:t>2020/8/4</a:t>
+              <a:t>2021/4/4</a:t>
             </a:fld>
             <a:endParaRPr kumimoji="1" lang="ja-JP" altLang="en-US"/>
           </a:p>
@@ -1100,7 +1063,7 @@
             <a:fld id="{7C024C37-9651-4A2F-B5BF-F9B15F7E1C29}" type="datetime1">
               <a:rPr lang="ja-JP" altLang="en-US" smtClean="0"/>
               <a:pPr/>
-              <a:t>2020/8/4</a:t>
+              <a:t>2021/4/4</a:t>
             </a:fld>
             <a:endParaRPr lang="ja-JP" altLang="en-US"/>
           </a:p>
@@ -1367,7 +1330,7 @@
             <a:fld id="{78F05F01-20C2-4F69-BC05-319B38279F60}" type="datetime1">
               <a:rPr lang="ja-JP" altLang="en-US" smtClean="0"/>
               <a:pPr/>
-              <a:t>2020/8/4</a:t>
+              <a:t>2021/4/4</a:t>
             </a:fld>
             <a:endParaRPr lang="ja-JP" altLang="en-US"/>
           </a:p>
@@ -1641,7 +1604,7 @@
             <a:fld id="{072BFA9D-3493-4A5F-AB6A-2CE4CD4A97F1}" type="datetime1">
               <a:rPr lang="ja-JP" altLang="en-US" smtClean="0"/>
               <a:pPr/>
-              <a:t>2020/8/4</a:t>
+              <a:t>2021/4/4</a:t>
             </a:fld>
             <a:endParaRPr lang="ja-JP" altLang="en-US"/>
           </a:p>
@@ -2044,7 +2007,7 @@
             <a:fld id="{45862594-B8CD-42B9-8B36-C3A1C6EEC8B4}" type="datetime1">
               <a:rPr lang="ja-JP" altLang="en-US" smtClean="0"/>
               <a:pPr/>
-              <a:t>2020/8/4</a:t>
+              <a:t>2021/4/4</a:t>
             </a:fld>
             <a:endParaRPr lang="ja-JP" altLang="en-US"/>
           </a:p>
@@ -3504,7 +3467,7 @@
           <a:p>
             <a:fld id="{45862594-B8CD-42B9-8B36-C3A1C6EEC8B4}" type="datetime1">
               <a:rPr kumimoji="1" lang="ja-JP" altLang="en-US" smtClean="0"/>
-              <a:t>2020/8/4</a:t>
+              <a:t>2021/4/4</a:t>
             </a:fld>
             <a:endParaRPr kumimoji="1" lang="ja-JP" altLang="en-US"/>
           </a:p>
@@ -3607,7 +3570,7 @@
             <a:fld id="{147E26BC-FA3D-4BF2-9D13-14FE28F699F0}" type="datetime1">
               <a:rPr lang="ja-JP" altLang="en-US" smtClean="0"/>
               <a:pPr/>
-              <a:t>2020/8/4</a:t>
+              <a:t>2021/4/4</a:t>
             </a:fld>
             <a:endParaRPr lang="ja-JP" altLang="en-US"/>
           </a:p>
@@ -3766,7 +3729,7 @@
             <a:fld id="{46D1AD7F-54FF-4A97-8216-26871E943199}" type="datetime1">
               <a:rPr lang="ja-JP" altLang="en-US" smtClean="0"/>
               <a:pPr/>
-              <a:t>2020/8/4</a:t>
+              <a:t>2021/4/4</a:t>
             </a:fld>
             <a:endParaRPr lang="ja-JP" altLang="en-US"/>
           </a:p>
@@ -4058,7 +4021,7 @@
           <a:p>
             <a:fld id="{70525A1B-27E4-46F4-B180-B03E70AE58DE}" type="datetime1">
               <a:rPr kumimoji="1" lang="ja-JP" altLang="en-US" smtClean="0"/>
-              <a:t>2020/8/4</a:t>
+              <a:t>2021/4/4</a:t>
             </a:fld>
             <a:endParaRPr kumimoji="1" lang="ja-JP" altLang="en-US"/>
           </a:p>
@@ -4315,7 +4278,7 @@
           <a:p>
             <a:fld id="{7E37FC28-02E6-488F-BA2F-7DDCA9ED870E}" type="datetime1">
               <a:rPr kumimoji="1" lang="ja-JP" altLang="en-US" smtClean="0"/>
-              <a:t>2020/8/4</a:t>
+              <a:t>2021/4/4</a:t>
             </a:fld>
             <a:endParaRPr kumimoji="1" lang="ja-JP" altLang="en-US"/>
           </a:p>
@@ -4713,7 +4676,7 @@
             <a:fld id="{238D657E-27A8-42C5-8788-E6ADD46EF2AE}" type="datetime1">
               <a:rPr lang="ja-JP" altLang="en-US" smtClean="0"/>
               <a:pPr/>
-              <a:t>2020/8/4</a:t>
+              <a:t>2021/4/4</a:t>
             </a:fld>
             <a:endParaRPr lang="ja-JP" altLang="en-US" dirty="0"/>
           </a:p>
@@ -4802,10 +4765,10 @@
       </p:sp>
       <p:pic>
         <p:nvPicPr>
-          <p:cNvPr id="12" name="図 11">
+          <p:cNvPr id="11" name="図 12">
             <a:extLst>
               <a:ext uri="{FF2B5EF4-FFF2-40B4-BE49-F238E27FC236}">
-                <a16:creationId xmlns:a16="http://schemas.microsoft.com/office/drawing/2014/main" id="{B205D9A9-5CFE-497E-8675-0815ED61B038}"/>
+                <a16:creationId xmlns:a16="http://schemas.microsoft.com/office/drawing/2014/main" id="{E6B2BB7B-496B-42B5-9A4C-B6083C5CE932}"/>
               </a:ext>
             </a:extLst>
           </p:cNvPr>
@@ -4814,22 +4777,15 @@
           </p:cNvPicPr>
           <p:nvPr userDrawn="1"/>
         </p:nvPicPr>
-        <p:blipFill>
-          <a:blip r:embed="rId14" cstate="print">
-            <a:extLst>
-              <a:ext uri="{28A0092B-C50C-407E-A947-70E740481C1C}">
-                <a14:useLocalDpi xmlns:a14="http://schemas.microsoft.com/office/drawing/2010/main" val="0"/>
-              </a:ext>
-            </a:extLst>
-          </a:blip>
-          <a:stretch>
-            <a:fillRect/>
-          </a:stretch>
+        <p:blipFill rotWithShape="1">
+          <a:blip r:embed="rId14"/>
+          <a:srcRect l="17333" t="13631" r="14107"/>
+          <a:stretch/>
         </p:blipFill>
         <p:spPr>
           <a:xfrm>
-            <a:off x="11296291" y="16504"/>
-            <a:ext cx="825138" cy="587911"/>
+            <a:off x="11402364" y="15714"/>
+            <a:ext cx="678663" cy="592700"/>
           </a:xfrm>
           <a:prstGeom prst="rect">
             <a:avLst/>
